--- a/PowerPoint_Presentation.pptx
+++ b/PowerPoint_Presentation.pptx
@@ -13555,7 +13555,7 @@
             <a:pPr algn="r"/>
             <a:r>
               <a:rPr lang="en-US" sz="2400" dirty="0"/>
-              <a:t>What is PERM and why does it matter</a:t>
+              <a:t>What is PERM and why it matters</a:t>
             </a:r>
             <a:endParaRPr lang="en-US" sz="2400" dirty="0">
               <a:solidFill>
@@ -14255,7 +14255,7 @@
         <p:spPr>
           <a:xfrm>
             <a:off x="7029450" y="4091226"/>
-            <a:ext cx="4781550" cy="2363724"/>
+            <a:ext cx="4781550" cy="2696123"/>
           </a:xfrm>
           <a:prstGeom prst="rect">
             <a:avLst/>
@@ -14268,10 +14268,12 @@
           </a:bodyPr>
           <a:lstStyle/>
           <a:p>
-            <a:pPr>
+            <a:pPr marL="342900" indent="-342900">
               <a:lnSpc>
                 <a:spcPct val="90000"/>
               </a:lnSpc>
+              <a:buFont typeface="Arial" panose="020B0604020202020204" pitchFamily="34" charset="0"/>
+              <a:buChar char="•"/>
             </a:pPr>
             <a:r>
               <a:rPr lang="en-US" sz="2400" kern="1200" dirty="0">
@@ -14286,10 +14288,12 @@
             </a:r>
           </a:p>
           <a:p>
-            <a:pPr>
+            <a:pPr marL="342900" indent="-342900">
               <a:lnSpc>
                 <a:spcPct val="90000"/>
               </a:lnSpc>
+              <a:buFont typeface="Arial" panose="020B0604020202020204" pitchFamily="34" charset="0"/>
+              <a:buChar char="•"/>
             </a:pPr>
             <a:r>
               <a:rPr lang="en-US" sz="2400" dirty="0">
@@ -14301,10 +14305,12 @@
             </a:r>
           </a:p>
           <a:p>
-            <a:pPr>
+            <a:pPr marL="342900" indent="-342900">
               <a:lnSpc>
                 <a:spcPct val="90000"/>
               </a:lnSpc>
+              <a:buFont typeface="Arial" panose="020B0604020202020204" pitchFamily="34" charset="0"/>
+              <a:buChar char="•"/>
             </a:pPr>
             <a:r>
               <a:rPr lang="en-US" sz="2400" kern="1200" dirty="0">
@@ -14319,10 +14325,12 @@
             </a:r>
           </a:p>
           <a:p>
-            <a:pPr>
+            <a:pPr marL="342900" indent="-342900">
               <a:lnSpc>
                 <a:spcPct val="90000"/>
               </a:lnSpc>
+              <a:buFont typeface="Arial" panose="020B0604020202020204" pitchFamily="34" charset="0"/>
+              <a:buChar char="•"/>
             </a:pPr>
             <a:r>
               <a:rPr lang="en-US" sz="2400" dirty="0">
@@ -14334,10 +14342,12 @@
             </a:r>
           </a:p>
           <a:p>
-            <a:pPr>
+            <a:pPr marL="342900" indent="-342900">
               <a:lnSpc>
                 <a:spcPct val="90000"/>
               </a:lnSpc>
+              <a:buFont typeface="Arial" panose="020B0604020202020204" pitchFamily="34" charset="0"/>
+              <a:buChar char="•"/>
             </a:pPr>
             <a:r>
               <a:rPr lang="en-US" sz="2400" kern="1200" dirty="0">
@@ -14352,10 +14362,12 @@
             </a:r>
           </a:p>
           <a:p>
-            <a:pPr>
+            <a:pPr marL="342900" indent="-342900">
               <a:lnSpc>
                 <a:spcPct val="90000"/>
               </a:lnSpc>
+              <a:buFont typeface="Arial" panose="020B0604020202020204" pitchFamily="34" charset="0"/>
+              <a:buChar char="•"/>
             </a:pPr>
             <a:r>
               <a:rPr lang="en-US" sz="2400" dirty="0">
@@ -14524,14 +14536,165 @@
         </p:blipFill>
         <p:spPr>
           <a:xfrm>
-            <a:off x="2312352" y="1919871"/>
-            <a:ext cx="8075613" cy="4549191"/>
+            <a:off x="6306820" y="2535561"/>
+            <a:ext cx="5046980" cy="2843088"/>
           </a:xfrm>
           <a:prstGeom prst="rect">
             <a:avLst/>
           </a:prstGeom>
         </p:spPr>
       </p:pic>
+      <p:sp>
+        <p:nvSpPr>
+          <p:cNvPr id="7" name="TextBox 6">
+            <a:extLst>
+              <a:ext uri="{FF2B5EF4-FFF2-40B4-BE49-F238E27FC236}">
+                <a16:creationId xmlns:a16="http://schemas.microsoft.com/office/drawing/2014/main" id="{97F6F84E-F79C-40EF-A916-0E463927AB63}"/>
+              </a:ext>
+            </a:extLst>
+          </p:cNvPr>
+          <p:cNvSpPr txBox="1"/>
+          <p:nvPr/>
+        </p:nvSpPr>
+        <p:spPr>
+          <a:xfrm>
+            <a:off x="1758270" y="2775243"/>
+            <a:ext cx="4781550" cy="2363724"/>
+          </a:xfrm>
+          <a:prstGeom prst="rect">
+            <a:avLst/>
+          </a:prstGeom>
+          <a:noFill/>
+        </p:spPr>
+        <p:txBody>
+          <a:bodyPr wrap="square" rtlCol="0">
+            <a:spAutoFit/>
+          </a:bodyPr>
+          <a:lstStyle/>
+          <a:p>
+            <a:pPr marL="342900" indent="-342900">
+              <a:lnSpc>
+                <a:spcPct val="90000"/>
+              </a:lnSpc>
+              <a:buFont typeface="Arial" panose="020B0604020202020204" pitchFamily="34" charset="0"/>
+              <a:buChar char="•"/>
+            </a:pPr>
+            <a:r>
+              <a:rPr lang="en-US" sz="2400" dirty="0">
+                <a:solidFill>
+                  <a:srgbClr val="FFFFFF"/>
+                </a:solidFill>
+              </a:rPr>
+              <a:t>General Overview</a:t>
+            </a:r>
+            <a:endParaRPr lang="en-US" sz="2400" kern="1200" dirty="0">
+              <a:solidFill>
+                <a:srgbClr val="FFFFFF"/>
+              </a:solidFill>
+              <a:latin typeface="+mn-lt"/>
+              <a:ea typeface="+mn-ea"/>
+              <a:cs typeface="+mn-cs"/>
+            </a:endParaRPr>
+          </a:p>
+          <a:p>
+            <a:pPr marL="342900" indent="-342900">
+              <a:lnSpc>
+                <a:spcPct val="90000"/>
+              </a:lnSpc>
+              <a:buFont typeface="Arial" panose="020B0604020202020204" pitchFamily="34" charset="0"/>
+              <a:buChar char="•"/>
+            </a:pPr>
+            <a:r>
+              <a:rPr lang="en-US" sz="2400" dirty="0">
+                <a:solidFill>
+                  <a:srgbClr val="FFFFFF"/>
+                </a:solidFill>
+              </a:rPr>
+              <a:t>Employers</a:t>
+            </a:r>
+          </a:p>
+          <a:p>
+            <a:pPr marL="342900" indent="-342900">
+              <a:lnSpc>
+                <a:spcPct val="90000"/>
+              </a:lnSpc>
+              <a:buFont typeface="Arial" panose="020B0604020202020204" pitchFamily="34" charset="0"/>
+              <a:buChar char="•"/>
+            </a:pPr>
+            <a:r>
+              <a:rPr lang="en-US" sz="2400" kern="1200" dirty="0">
+                <a:solidFill>
+                  <a:srgbClr val="FFFFFF"/>
+                </a:solidFill>
+                <a:latin typeface="+mn-lt"/>
+                <a:ea typeface="+mn-ea"/>
+                <a:cs typeface="+mn-cs"/>
+              </a:rPr>
+              <a:t>Attorney Firms</a:t>
+            </a:r>
+          </a:p>
+          <a:p>
+            <a:pPr marL="342900" indent="-342900">
+              <a:lnSpc>
+                <a:spcPct val="90000"/>
+              </a:lnSpc>
+              <a:buFont typeface="Arial" panose="020B0604020202020204" pitchFamily="34" charset="0"/>
+              <a:buChar char="•"/>
+            </a:pPr>
+            <a:r>
+              <a:rPr lang="en-US" sz="2400" dirty="0">
+                <a:solidFill>
+                  <a:srgbClr val="FFFFFF"/>
+                </a:solidFill>
+              </a:rPr>
+              <a:t>Jobs</a:t>
+            </a:r>
+          </a:p>
+          <a:p>
+            <a:pPr marL="342900" indent="-342900">
+              <a:lnSpc>
+                <a:spcPct val="90000"/>
+              </a:lnSpc>
+              <a:buFont typeface="Arial" panose="020B0604020202020204" pitchFamily="34" charset="0"/>
+              <a:buChar char="•"/>
+            </a:pPr>
+            <a:r>
+              <a:rPr lang="en-US" sz="2400" kern="1200" dirty="0">
+                <a:solidFill>
+                  <a:srgbClr val="FFFFFF"/>
+                </a:solidFill>
+                <a:latin typeface="+mn-lt"/>
+                <a:ea typeface="+mn-ea"/>
+                <a:cs typeface="+mn-cs"/>
+              </a:rPr>
+              <a:t>Applicants</a:t>
+            </a:r>
+          </a:p>
+          <a:p>
+            <a:pPr marL="342900" indent="-342900">
+              <a:lnSpc>
+                <a:spcPct val="90000"/>
+              </a:lnSpc>
+              <a:buFont typeface="Arial" panose="020B0604020202020204" pitchFamily="34" charset="0"/>
+              <a:buChar char="•"/>
+            </a:pPr>
+            <a:r>
+              <a:rPr lang="en-US" sz="2400" kern="1200" dirty="0">
+                <a:solidFill>
+                  <a:srgbClr val="FFFFFF"/>
+                </a:solidFill>
+                <a:latin typeface="+mn-lt"/>
+                <a:ea typeface="+mn-ea"/>
+                <a:cs typeface="+mn-cs"/>
+              </a:rPr>
+              <a:t>Conclusions</a:t>
+            </a:r>
+          </a:p>
+          <a:p>
+            <a:endParaRPr lang="pt-BR" dirty="0"/>
+          </a:p>
+        </p:txBody>
+      </p:sp>
     </p:spTree>
     <p:extLst>
       <p:ext uri="{BB962C8B-B14F-4D97-AF65-F5344CB8AC3E}">
@@ -15305,6 +15468,15 @@
 </file>
 
 <file path=customXml/item1.xml><?xml version="1.0" encoding="utf-8"?>
+<?mso-contentType ?>
+<FormTemplates xmlns="http://schemas.microsoft.com/sharepoint/v3/contenttype/forms">
+  <Display>DocumentLibraryForm</Display>
+  <Edit>DocumentLibraryForm</Edit>
+  <New>DocumentLibraryForm</New>
+</FormTemplates>
+</file>
+
+<file path=customXml/item2.xml><?xml version="1.0" encoding="utf-8"?>
 <ct:contentTypeSchema xmlns:ct="http://schemas.microsoft.com/office/2006/metadata/contentType" xmlns:ma="http://schemas.microsoft.com/office/2006/metadata/properties/metaAttributes" ct:_="" ma:_="" ma:contentTypeName="Document" ma:contentTypeID="0x01010079F111ED35F8CC479449609E8A0923A6" ma:contentTypeVersion="12" ma:contentTypeDescription="Create a new document." ma:contentTypeScope="" ma:versionID="426e97fa315356fffbdcd9876fe988c2">
   <xsd:schema xmlns:xsd="http://www.w3.org/2001/XMLSchema" xmlns:xs="http://www.w3.org/2001/XMLSchema" xmlns:p="http://schemas.microsoft.com/office/2006/metadata/properties" xmlns:ns2="71af3243-3dd4-4a8d-8c0d-dd76da1f02a5" xmlns:ns3="16c05727-aa75-4e4a-9b5f-8a80a1165891" targetNamespace="http://schemas.microsoft.com/office/2006/metadata/properties" ma:root="true" ma:fieldsID="14b8f0def80e6d70ce3def20c90759ae" ns2:_="" ns3:_="">
     <xsd:import namespace="71af3243-3dd4-4a8d-8c0d-dd76da1f02a5"/>
@@ -15525,15 +15697,6 @@
 </ct:contentTypeSchema>
 </file>
 
-<file path=customXml/item2.xml><?xml version="1.0" encoding="utf-8"?>
-<?mso-contentType ?>
-<FormTemplates xmlns="http://schemas.microsoft.com/sharepoint/v3/contenttype/forms">
-  <Display>DocumentLibraryForm</Display>
-  <Edit>DocumentLibraryForm</Edit>
-  <New>DocumentLibraryForm</New>
-</FormTemplates>
-</file>
-
 <file path=customXml/item3.xml><?xml version="1.0" encoding="utf-8"?>
 <p:properties xmlns:p="http://schemas.microsoft.com/office/2006/metadata/properties" xmlns:xsi="http://www.w3.org/2001/XMLSchema-instance" xmlns:pc="http://schemas.microsoft.com/office/infopath/2007/PartnerControls">
   <documentManagement>
@@ -15544,6 +15707,14 @@
 </file>
 
 <file path=customXml/itemProps1.xml><?xml version="1.0" encoding="utf-8"?>
+<ds:datastoreItem xmlns:ds="http://schemas.openxmlformats.org/officeDocument/2006/customXml" ds:itemID="{3C8E00D1-8EA3-4E42-801D-0253E1EAFC21}">
+  <ds:schemaRefs>
+    <ds:schemaRef ds:uri="http://schemas.microsoft.com/sharepoint/v3/contenttype/forms"/>
+  </ds:schemaRefs>
+</ds:datastoreItem>
+</file>
+
+<file path=customXml/itemProps2.xml><?xml version="1.0" encoding="utf-8"?>
 <ds:datastoreItem xmlns:ds="http://schemas.openxmlformats.org/officeDocument/2006/customXml" ds:itemID="{ABC329F5-30EE-4BF7-AA2A-B837B51416B4}">
   <ds:schemaRefs>
     <ds:schemaRef ds:uri="http://schemas.microsoft.com/office/2006/metadata/contentType"/>
@@ -15562,14 +15733,6 @@
 </ds:datastoreItem>
 </file>
 
-<file path=customXml/itemProps2.xml><?xml version="1.0" encoding="utf-8"?>
-<ds:datastoreItem xmlns:ds="http://schemas.openxmlformats.org/officeDocument/2006/customXml" ds:itemID="{3C8E00D1-8EA3-4E42-801D-0253E1EAFC21}">
-  <ds:schemaRefs>
-    <ds:schemaRef ds:uri="http://schemas.microsoft.com/sharepoint/v3/contenttype/forms"/>
-  </ds:schemaRefs>
-</ds:datastoreItem>
-</file>
-
 <file path=customXml/itemProps3.xml><?xml version="1.0" encoding="utf-8"?>
 <ds:datastoreItem xmlns:ds="http://schemas.openxmlformats.org/officeDocument/2006/customXml" ds:itemID="{99919F73-B6C2-4A43-95E2-833EC48925FE}">
   <ds:schemaRefs>

--- a/PowerPoint_Presentation.pptx
+++ b/PowerPoint_Presentation.pptx
@@ -2477,7 +2477,7 @@
           <a:p>
             <a:fld id="{5EA28068-AFBD-4979-B752-9EB6F90B1386}" type="datetimeFigureOut">
               <a:rPr lang="en-US" smtClean="0"/>
-              <a:t>3/21/2021</a:t>
+              <a:t>3/28/2021</a:t>
             </a:fld>
             <a:endParaRPr lang="en-US" dirty="0"/>
           </a:p>
@@ -13407,7 +13407,7 @@
           <a:p>
             <a:r>
               <a:rPr lang="en-US" spc="400" dirty="0"/>
-              <a:t>Perm DATA Analysis</a:t>
+              <a:t>perm DATA Analysis</a:t>
             </a:r>
             <a:endParaRPr lang="en-US" dirty="0"/>
           </a:p>
@@ -15468,12 +15468,12 @@
 </file>
 
 <file path=customXml/item1.xml><?xml version="1.0" encoding="utf-8"?>
-<?mso-contentType ?>
-<FormTemplates xmlns="http://schemas.microsoft.com/sharepoint/v3/contenttype/forms">
-  <Display>DocumentLibraryForm</Display>
-  <Edit>DocumentLibraryForm</Edit>
-  <New>DocumentLibraryForm</New>
-</FormTemplates>
+<p:properties xmlns:p="http://schemas.microsoft.com/office/2006/metadata/properties" xmlns:xsi="http://www.w3.org/2001/XMLSchema-instance" xmlns:pc="http://schemas.microsoft.com/office/infopath/2007/PartnerControls">
+  <documentManagement>
+    <Status xmlns="71af3243-3dd4-4a8d-8c0d-dd76da1f02a5">Not started</Status>
+    <MediaServiceKeyPoints xmlns="71af3243-3dd4-4a8d-8c0d-dd76da1f02a5" xsi:nil="true"/>
+  </documentManagement>
+</p:properties>
 </file>
 
 <file path=customXml/item2.xml><?xml version="1.0" encoding="utf-8"?>
@@ -15698,18 +15698,20 @@
 </file>
 
 <file path=customXml/item3.xml><?xml version="1.0" encoding="utf-8"?>
-<p:properties xmlns:p="http://schemas.microsoft.com/office/2006/metadata/properties" xmlns:xsi="http://www.w3.org/2001/XMLSchema-instance" xmlns:pc="http://schemas.microsoft.com/office/infopath/2007/PartnerControls">
-  <documentManagement>
-    <Status xmlns="71af3243-3dd4-4a8d-8c0d-dd76da1f02a5">Not started</Status>
-    <MediaServiceKeyPoints xmlns="71af3243-3dd4-4a8d-8c0d-dd76da1f02a5" xsi:nil="true"/>
-  </documentManagement>
-</p:properties>
+<?mso-contentType ?>
+<FormTemplates xmlns="http://schemas.microsoft.com/sharepoint/v3/contenttype/forms">
+  <Display>DocumentLibraryForm</Display>
+  <Edit>DocumentLibraryForm</Edit>
+  <New>DocumentLibraryForm</New>
+</FormTemplates>
 </file>
 
 <file path=customXml/itemProps1.xml><?xml version="1.0" encoding="utf-8"?>
-<ds:datastoreItem xmlns:ds="http://schemas.openxmlformats.org/officeDocument/2006/customXml" ds:itemID="{3C8E00D1-8EA3-4E42-801D-0253E1EAFC21}">
+<ds:datastoreItem xmlns:ds="http://schemas.openxmlformats.org/officeDocument/2006/customXml" ds:itemID="{99919F73-B6C2-4A43-95E2-833EC48925FE}">
   <ds:schemaRefs>
-    <ds:schemaRef ds:uri="http://schemas.microsoft.com/sharepoint/v3/contenttype/forms"/>
+    <ds:schemaRef ds:uri="http://schemas.microsoft.com/office/2006/metadata/properties"/>
+    <ds:schemaRef ds:uri="http://schemas.microsoft.com/office/infopath/2007/PartnerControls"/>
+    <ds:schemaRef ds:uri="71af3243-3dd4-4a8d-8c0d-dd76da1f02a5"/>
   </ds:schemaRefs>
 </ds:datastoreItem>
 </file>
@@ -15734,11 +15736,9 @@
 </file>
 
 <file path=customXml/itemProps3.xml><?xml version="1.0" encoding="utf-8"?>
-<ds:datastoreItem xmlns:ds="http://schemas.openxmlformats.org/officeDocument/2006/customXml" ds:itemID="{99919F73-B6C2-4A43-95E2-833EC48925FE}">
+<ds:datastoreItem xmlns:ds="http://schemas.openxmlformats.org/officeDocument/2006/customXml" ds:itemID="{3C8E00D1-8EA3-4E42-801D-0253E1EAFC21}">
   <ds:schemaRefs>
-    <ds:schemaRef ds:uri="http://schemas.microsoft.com/office/2006/metadata/properties"/>
-    <ds:schemaRef ds:uri="http://schemas.microsoft.com/office/infopath/2007/PartnerControls"/>
-    <ds:schemaRef ds:uri="71af3243-3dd4-4a8d-8c0d-dd76da1f02a5"/>
+    <ds:schemaRef ds:uri="http://schemas.microsoft.com/sharepoint/v3/contenttype/forms"/>
   </ds:schemaRefs>
 </ds:datastoreItem>
 </file>